--- a/Distributed Computing Final Presentation.pptx
+++ b/Distributed Computing Final Presentation.pptx
@@ -1256,7 +1256,7 @@
       </p:grpSpPr>
       <p:sp>
         <p:nvSpPr>
-          <p:cNvPr id="193" name="Google Shape;193;g670be3eb3ea52372_0:notes"/>
+          <p:cNvPr id="193" name="Google Shape;193;g124747ceca6_1_5:notes"/>
           <p:cNvSpPr/>
           <p:nvPr>
             <p:ph idx="2" type="sldImg"/>
@@ -1291,7 +1291,7 @@
       </p:sp>
       <p:sp>
         <p:nvSpPr>
-          <p:cNvPr id="194" name="Google Shape;194;g670be3eb3ea52372_0:notes"/>
+          <p:cNvPr id="194" name="Google Shape;194;g124747ceca6_1_5:notes"/>
           <p:cNvSpPr txBox="1"/>
           <p:nvPr>
             <p:ph idx="1" type="body"/>
@@ -1322,7 +1322,32 @@
               <a:buNone/>
             </a:pPr>
             <a:r>
-              <a:t/>
+              <a:rPr lang="en"/>
+              <a:t>We also wanted to go in details for the tone of the books. We used Afinn score to measure how positive or negative each word in the each book. Afinn score ranges from -5 to 5. For example, I am having good day scores +3, I am having bad day scores -3. Or I am having a horribly bad day scores -6. In here, we standardized the afinn scores by finding the score for each </a:t>
+            </a:r>
+            <a:r>
+              <a:rPr lang="en"/>
+              <a:t>word</a:t>
+            </a:r>
+            <a:r>
+              <a:rPr lang="en"/>
+              <a:t> in the text, adding the scores up and dividing by number of words in the context. In the distribution of classics, we can </a:t>
+            </a:r>
+            <a:r>
+              <a:rPr lang="en"/>
+              <a:t>observe</a:t>
+            </a:r>
+            <a:r>
+              <a:rPr lang="en"/>
+              <a:t> that it ranges from -1 to 6 while the </a:t>
+            </a:r>
+            <a:r>
+              <a:rPr lang="en"/>
+              <a:t>distribution</a:t>
+            </a:r>
+            <a:r>
+              <a:rPr lang="en"/>
+              <a:t> of fanfiction ranges from 0 to 3.5. As verification of what we observed in the spark nlp classification, the mean score for classics is greater than the mean score for fanfictions.</a:t>
             </a:r>
             <a:endParaRPr/>
           </a:p>
@@ -1355,7 +1380,7 @@
       </p:grpSpPr>
       <p:sp>
         <p:nvSpPr>
-          <p:cNvPr id="200" name="Google Shape;200;g124747ceca6_1_5:notes"/>
+          <p:cNvPr id="200" name="Google Shape;200;g670be3eb3ea52372_0:notes"/>
           <p:cNvSpPr/>
           <p:nvPr>
             <p:ph idx="2" type="sldImg"/>
@@ -1390,7 +1415,7 @@
       </p:sp>
       <p:sp>
         <p:nvSpPr>
-          <p:cNvPr id="201" name="Google Shape;201;g124747ceca6_1_5:notes"/>
+          <p:cNvPr id="201" name="Google Shape;201;g670be3eb3ea52372_0:notes"/>
           <p:cNvSpPr txBox="1"/>
           <p:nvPr>
             <p:ph idx="1" type="body"/>
@@ -9402,150 +9427,7 @@
             </a:pPr>
             <a:r>
               <a:rPr lang="en"/>
-              <a:t>Sentiment Analysis</a:t>
-            </a:r>
-            <a:endParaRPr/>
-          </a:p>
-        </p:txBody>
-      </p:sp>
-      <p:sp>
-        <p:nvSpPr>
-          <p:cNvPr id="197" name="Google Shape;197;p26"/>
-          <p:cNvSpPr txBox="1"/>
-          <p:nvPr>
-            <p:ph idx="1" type="body"/>
-          </p:nvPr>
-        </p:nvSpPr>
-        <p:spPr>
-          <a:xfrm>
-            <a:off x="727650" y="1991833"/>
-            <a:ext cx="7688700" cy="2261100"/>
-          </a:xfrm>
-          <a:prstGeom prst="rect">
-            <a:avLst/>
-          </a:prstGeom>
-        </p:spPr>
-        <p:txBody>
-          <a:bodyPr anchorCtr="0" anchor="t" bIns="91425" lIns="91425" spcFirstLastPara="1" rIns="91425" wrap="square" tIns="91425">
-            <a:normAutofit/>
-          </a:bodyPr>
-          <a:lstStyle/>
-          <a:p>
-            <a:pPr indent="-311150" lvl="0" marL="457200" rtl="0" algn="l">
-              <a:lnSpc>
-                <a:spcPct val="150000"/>
-              </a:lnSpc>
-              <a:spcBef>
-                <a:spcPts val="0"/>
-              </a:spcBef>
-              <a:spcAft>
-                <a:spcPts val="0"/>
-              </a:spcAft>
-              <a:buSzPts val="1300"/>
-              <a:buChar char="●"/>
-            </a:pPr>
-            <a:r>
-              <a:rPr lang="en"/>
-              <a:t>Discrimination</a:t>
-            </a:r>
-            <a:endParaRPr/>
-          </a:p>
-          <a:p>
-            <a:pPr indent="-298450" lvl="1" marL="914400" rtl="0" algn="l">
-              <a:lnSpc>
-                <a:spcPct val="150000"/>
-              </a:lnSpc>
-              <a:spcBef>
-                <a:spcPts val="0"/>
-              </a:spcBef>
-              <a:spcAft>
-                <a:spcPts val="0"/>
-              </a:spcAft>
-              <a:buSzPts val="1100"/>
-              <a:buChar char="○"/>
-            </a:pPr>
-            <a:r>
-              <a:rPr lang="en"/>
-              <a:t>Racist? Sexist? </a:t>
-            </a:r>
-            <a:r>
-              <a:rPr lang="en"/>
-              <a:t>Neutral?</a:t>
-            </a:r>
-            <a:endParaRPr/>
-          </a:p>
-          <a:p>
-            <a:pPr indent="-298450" lvl="1" marL="914400" rtl="0" algn="l">
-              <a:lnSpc>
-                <a:spcPct val="150000"/>
-              </a:lnSpc>
-              <a:spcBef>
-                <a:spcPts val="0"/>
-              </a:spcBef>
-              <a:spcAft>
-                <a:spcPts val="0"/>
-              </a:spcAft>
-              <a:buSzPts val="1100"/>
-              <a:buChar char="○"/>
-            </a:pPr>
-            <a:r>
-              <a:rPr lang="en"/>
-              <a:t>Hate speech? Offensive? Normal?</a:t>
-            </a:r>
-            <a:endParaRPr/>
-          </a:p>
-          <a:p>
-            <a:pPr indent="-298450" lvl="1" marL="914400" rtl="0" algn="l">
-              <a:lnSpc>
-                <a:spcPct val="150000"/>
-              </a:lnSpc>
-              <a:spcBef>
-                <a:spcPts val="0"/>
-              </a:spcBef>
-              <a:spcAft>
-                <a:spcPts val="0"/>
-              </a:spcAft>
-              <a:buSzPts val="1100"/>
-              <a:buChar char="○"/>
-            </a:pPr>
-            <a:r>
-              <a:rPr lang="en"/>
-              <a:t>Antisemitic? Non-antisemitic?</a:t>
-            </a:r>
-            <a:endParaRPr/>
-          </a:p>
-          <a:p>
-            <a:pPr indent="-311150" lvl="0" marL="457200" rtl="0" algn="l">
-              <a:lnSpc>
-                <a:spcPct val="150000"/>
-              </a:lnSpc>
-              <a:spcBef>
-                <a:spcPts val="0"/>
-              </a:spcBef>
-              <a:spcAft>
-                <a:spcPts val="0"/>
-              </a:spcAft>
-              <a:buSzPts val="1300"/>
-              <a:buChar char="●"/>
-            </a:pPr>
-            <a:r>
-              <a:rPr lang="en"/>
-              <a:t>4 pre-trained Spark NLP models</a:t>
-            </a:r>
-            <a:endParaRPr/>
-          </a:p>
-          <a:p>
-            <a:pPr indent="0" lvl="0" marL="0" rtl="0" algn="l">
-              <a:spcBef>
-                <a:spcPts val="1200"/>
-              </a:spcBef>
-              <a:spcAft>
-                <a:spcPts val="1200"/>
-              </a:spcAft>
-              <a:buNone/>
-            </a:pPr>
-            <a:r>
-              <a:t/>
+              <a:t>Afinn Score: Classics vs Fanfiction </a:t>
             </a:r>
             <a:endParaRPr/>
           </a:p>
@@ -9553,7 +9435,7 @@
       </p:sp>
       <p:pic>
         <p:nvPicPr>
-          <p:cNvPr id="198" name="Google Shape;198;p26"/>
+          <p:cNvPr id="197" name="Google Shape;197;p26"/>
           <p:cNvPicPr preferRelativeResize="0"/>
           <p:nvPr/>
         </p:nvPicPr>
@@ -9567,8 +9449,36 @@
         </p:blipFill>
         <p:spPr>
           <a:xfrm>
-            <a:off x="4992066" y="1886450"/>
-            <a:ext cx="2950701" cy="1370600"/>
+            <a:off x="4771800" y="1890800"/>
+            <a:ext cx="3543300" cy="2362200"/>
+          </a:xfrm>
+          <a:prstGeom prst="rect">
+            <a:avLst/>
+          </a:prstGeom>
+          <a:noFill/>
+          <a:ln>
+            <a:noFill/>
+          </a:ln>
+        </p:spPr>
+      </p:pic>
+      <p:pic>
+        <p:nvPicPr>
+          <p:cNvPr id="198" name="Google Shape;198;p26"/>
+          <p:cNvPicPr preferRelativeResize="0"/>
+          <p:nvPr/>
+        </p:nvPicPr>
+        <p:blipFill>
+          <a:blip r:embed="rId4">
+            <a:alphaModFix/>
+          </a:blip>
+          <a:stretch>
+            <a:fillRect/>
+          </a:stretch>
+        </p:blipFill>
+        <p:spPr>
+          <a:xfrm>
+            <a:off x="516600" y="1935200"/>
+            <a:ext cx="3600450" cy="2362200"/>
           </a:xfrm>
           <a:prstGeom prst="rect">
             <a:avLst/>
@@ -9638,7 +9548,150 @@
             </a:pPr>
             <a:r>
               <a:rPr lang="en"/>
-              <a:t>Afinn Score: Classics vs Fanfiction </a:t>
+              <a:t>Sentiment Analysis</a:t>
+            </a:r>
+            <a:endParaRPr/>
+          </a:p>
+        </p:txBody>
+      </p:sp>
+      <p:sp>
+        <p:nvSpPr>
+          <p:cNvPr id="204" name="Google Shape;204;p27"/>
+          <p:cNvSpPr txBox="1"/>
+          <p:nvPr>
+            <p:ph idx="1" type="body"/>
+          </p:nvPr>
+        </p:nvSpPr>
+        <p:spPr>
+          <a:xfrm>
+            <a:off x="727650" y="1991833"/>
+            <a:ext cx="7688700" cy="2261100"/>
+          </a:xfrm>
+          <a:prstGeom prst="rect">
+            <a:avLst/>
+          </a:prstGeom>
+        </p:spPr>
+        <p:txBody>
+          <a:bodyPr anchorCtr="0" anchor="t" bIns="91425" lIns="91425" spcFirstLastPara="1" rIns="91425" wrap="square" tIns="91425">
+            <a:normAutofit/>
+          </a:bodyPr>
+          <a:lstStyle/>
+          <a:p>
+            <a:pPr indent="-311150" lvl="0" marL="457200" rtl="0" algn="l">
+              <a:lnSpc>
+                <a:spcPct val="150000"/>
+              </a:lnSpc>
+              <a:spcBef>
+                <a:spcPts val="0"/>
+              </a:spcBef>
+              <a:spcAft>
+                <a:spcPts val="0"/>
+              </a:spcAft>
+              <a:buSzPts val="1300"/>
+              <a:buChar char="●"/>
+            </a:pPr>
+            <a:r>
+              <a:rPr lang="en"/>
+              <a:t>Discrimination</a:t>
+            </a:r>
+            <a:endParaRPr/>
+          </a:p>
+          <a:p>
+            <a:pPr indent="-298450" lvl="1" marL="914400" rtl="0" algn="l">
+              <a:lnSpc>
+                <a:spcPct val="150000"/>
+              </a:lnSpc>
+              <a:spcBef>
+                <a:spcPts val="0"/>
+              </a:spcBef>
+              <a:spcAft>
+                <a:spcPts val="0"/>
+              </a:spcAft>
+              <a:buSzPts val="1100"/>
+              <a:buChar char="○"/>
+            </a:pPr>
+            <a:r>
+              <a:rPr lang="en"/>
+              <a:t>Racist? Sexist? </a:t>
+            </a:r>
+            <a:r>
+              <a:rPr lang="en"/>
+              <a:t>Neutral?</a:t>
+            </a:r>
+            <a:endParaRPr/>
+          </a:p>
+          <a:p>
+            <a:pPr indent="-298450" lvl="1" marL="914400" rtl="0" algn="l">
+              <a:lnSpc>
+                <a:spcPct val="150000"/>
+              </a:lnSpc>
+              <a:spcBef>
+                <a:spcPts val="0"/>
+              </a:spcBef>
+              <a:spcAft>
+                <a:spcPts val="0"/>
+              </a:spcAft>
+              <a:buSzPts val="1100"/>
+              <a:buChar char="○"/>
+            </a:pPr>
+            <a:r>
+              <a:rPr lang="en"/>
+              <a:t>Hate speech? Offensive? Normal?</a:t>
+            </a:r>
+            <a:endParaRPr/>
+          </a:p>
+          <a:p>
+            <a:pPr indent="-298450" lvl="1" marL="914400" rtl="0" algn="l">
+              <a:lnSpc>
+                <a:spcPct val="150000"/>
+              </a:lnSpc>
+              <a:spcBef>
+                <a:spcPts val="0"/>
+              </a:spcBef>
+              <a:spcAft>
+                <a:spcPts val="0"/>
+              </a:spcAft>
+              <a:buSzPts val="1100"/>
+              <a:buChar char="○"/>
+            </a:pPr>
+            <a:r>
+              <a:rPr lang="en"/>
+              <a:t>Antisemitic? Non-antisemitic?</a:t>
+            </a:r>
+            <a:endParaRPr/>
+          </a:p>
+          <a:p>
+            <a:pPr indent="-311150" lvl="0" marL="457200" rtl="0" algn="l">
+              <a:lnSpc>
+                <a:spcPct val="150000"/>
+              </a:lnSpc>
+              <a:spcBef>
+                <a:spcPts val="0"/>
+              </a:spcBef>
+              <a:spcAft>
+                <a:spcPts val="0"/>
+              </a:spcAft>
+              <a:buSzPts val="1300"/>
+              <a:buChar char="●"/>
+            </a:pPr>
+            <a:r>
+              <a:rPr lang="en"/>
+              <a:t>3 pre-trained Spark NLP models</a:t>
+            </a:r>
+            <a:endParaRPr/>
+          </a:p>
+          <a:p>
+            <a:pPr indent="0" lvl="0" marL="0" rtl="0" algn="l">
+              <a:spcBef>
+                <a:spcPts val="1200"/>
+              </a:spcBef>
+              <a:spcAft>
+                <a:spcPts val="1200"/>
+              </a:spcAft>
+              <a:buNone/>
+            </a:pPr>
+            <a:r>
+              <a:t/>
             </a:r>
             <a:endParaRPr/>
           </a:p>
@@ -9646,7 +9699,7 @@
       </p:sp>
       <p:pic>
         <p:nvPicPr>
-          <p:cNvPr id="204" name="Google Shape;204;p27"/>
+          <p:cNvPr id="205" name="Google Shape;205;p27"/>
           <p:cNvPicPr preferRelativeResize="0"/>
           <p:nvPr/>
         </p:nvPicPr>
@@ -9660,36 +9713,8 @@
         </p:blipFill>
         <p:spPr>
           <a:xfrm>
-            <a:off x="4771800" y="1890800"/>
-            <a:ext cx="3543300" cy="2362200"/>
-          </a:xfrm>
-          <a:prstGeom prst="rect">
-            <a:avLst/>
-          </a:prstGeom>
-          <a:noFill/>
-          <a:ln>
-            <a:noFill/>
-          </a:ln>
-        </p:spPr>
-      </p:pic>
-      <p:pic>
-        <p:nvPicPr>
-          <p:cNvPr id="205" name="Google Shape;205;p27"/>
-          <p:cNvPicPr preferRelativeResize="0"/>
-          <p:nvPr/>
-        </p:nvPicPr>
-        <p:blipFill>
-          <a:blip r:embed="rId4">
-            <a:alphaModFix/>
-          </a:blip>
-          <a:stretch>
-            <a:fillRect/>
-          </a:stretch>
-        </p:blipFill>
-        <p:spPr>
-          <a:xfrm>
-            <a:off x="516600" y="1935200"/>
-            <a:ext cx="3600450" cy="2362200"/>
+            <a:off x="4992066" y="1886450"/>
+            <a:ext cx="2950701" cy="1370600"/>
           </a:xfrm>
           <a:prstGeom prst="rect">
             <a:avLst/>
@@ -13251,6 +13276,285 @@
 </file>
 
 <file path=ppt/theme/theme1.xml><?xml version="1.0" encoding="utf-8"?>
+<a:theme xmlns:a="http://schemas.openxmlformats.org/drawingml/2006/main" xmlns:r="http://schemas.openxmlformats.org/officeDocument/2006/relationships">
+  <a:themeElements>
+    <a:clrScheme name="Default">
+      <a:dk1>
+        <a:srgbClr val="000000"/>
+      </a:dk1>
+      <a:lt1>
+        <a:srgbClr val="FFFFFF"/>
+      </a:lt1>
+      <a:dk2>
+        <a:srgbClr val="158158"/>
+      </a:dk2>
+      <a:lt2>
+        <a:srgbClr val="F3F3F3"/>
+      </a:lt2>
+      <a:accent1>
+        <a:srgbClr val="058DC7"/>
+      </a:accent1>
+      <a:accent2>
+        <a:srgbClr val="50B432"/>
+      </a:accent2>
+      <a:accent3>
+        <a:srgbClr val="ED561B"/>
+      </a:accent3>
+      <a:accent4>
+        <a:srgbClr val="EDEF00"/>
+      </a:accent4>
+      <a:accent5>
+        <a:srgbClr val="24CBE5"/>
+      </a:accent5>
+      <a:accent6>
+        <a:srgbClr val="64E572"/>
+      </a:accent6>
+      <a:hlink>
+        <a:srgbClr val="2200CC"/>
+      </a:hlink>
+      <a:folHlink>
+        <a:srgbClr val="551A8B"/>
+      </a:folHlink>
+    </a:clrScheme>
+    <a:fontScheme name="Office">
+      <a:majorFont>
+        <a:latin typeface="Arial"/>
+        <a:ea typeface=""/>
+        <a:cs typeface=""/>
+        <a:font script="Jpan" typeface="ＭＳ Ｐゴシック"/>
+        <a:font script="Hang" typeface="맑은 고딕"/>
+        <a:font script="Hans" typeface="宋体"/>
+        <a:font script="Hant" typeface="新細明體"/>
+        <a:font script="Arab" typeface="Times New Roman"/>
+        <a:font script="Hebr" typeface="Times New Roman"/>
+        <a:font script="Thai" typeface="Angsana New"/>
+        <a:font script="Ethi" typeface="Nyala"/>
+        <a:font script="Beng" typeface="Vrinda"/>
+        <a:font script="Gujr" typeface="Shruti"/>
+        <a:font script="Khmr" typeface="MoolBoran"/>
+        <a:font script="Knda" typeface="Tunga"/>
+        <a:font script="Guru" typeface="Raavi"/>
+        <a:font script="Cans" typeface="Euphemia"/>
+        <a:font script="Cher" typeface="Plantagenet Cherokee"/>
+        <a:font script="Yiii" typeface="Microsoft Yi Baiti"/>
+        <a:font script="Tibt" typeface="Microsoft Himalaya"/>
+        <a:font script="Thaa" typeface="MV Boli"/>
+        <a:font script="Deva" typeface="Mangal"/>
+        <a:font script="Telu" typeface="Gautami"/>
+        <a:font script="Taml" typeface="Latha"/>
+        <a:font script="Syrc" typeface="Estrangelo Edessa"/>
+        <a:font script="Orya" typeface="Kalinga"/>
+        <a:font script="Mlym" typeface="Kartika"/>
+        <a:font script="Laoo" typeface="DokChampa"/>
+        <a:font script="Sinh" typeface="Iskoola Pota"/>
+        <a:font script="Mong" typeface="Mongolian Baiti"/>
+        <a:font script="Viet" typeface="Times New Roman"/>
+        <a:font script="Uigh" typeface="Microsoft Uighur"/>
+        <a:font script="Geor" typeface="Sylfaen"/>
+      </a:majorFont>
+      <a:minorFont>
+        <a:latin typeface="Arial"/>
+        <a:ea typeface=""/>
+        <a:cs typeface=""/>
+        <a:font script="Jpan" typeface="ＭＳ Ｐゴシック"/>
+        <a:font script="Hang" typeface="맑은 고딕"/>
+        <a:font script="Hans" typeface="宋体"/>
+        <a:font script="Hant" typeface="新細明體"/>
+        <a:font script="Arab" typeface="Arial"/>
+        <a:font script="Hebr" typeface="Arial"/>
+        <a:font script="Thai" typeface="Cordia New"/>
+        <a:font script="Ethi" typeface="Nyala"/>
+        <a:font script="Beng" typeface="Vrinda"/>
+        <a:font script="Gujr" typeface="Shruti"/>
+        <a:font script="Khmr" typeface="DaunPenh"/>
+        <a:font script="Knda" typeface="Tunga"/>
+        <a:font script="Guru" typeface="Raavi"/>
+        <a:font script="Cans" typeface="Euphemia"/>
+        <a:font script="Cher" typeface="Plantagenet Cherokee"/>
+        <a:font script="Yiii" typeface="Microsoft Yi Baiti"/>
+        <a:font script="Tibt" typeface="Microsoft Himalaya"/>
+        <a:font script="Thaa" typeface="MV Boli"/>
+        <a:font script="Deva" typeface="Mangal"/>
+        <a:font script="Telu" typeface="Gautami"/>
+        <a:font script="Taml" typeface="Latha"/>
+        <a:font script="Syrc" typeface="Estrangelo Edessa"/>
+        <a:font script="Orya" typeface="Kalinga"/>
+        <a:font script="Mlym" typeface="Kartika"/>
+        <a:font script="Laoo" typeface="DokChampa"/>
+        <a:font script="Sinh" typeface="Iskoola Pota"/>
+        <a:font script="Mong" typeface="Mongolian Baiti"/>
+        <a:font script="Viet" typeface="Arial"/>
+        <a:font script="Uigh" typeface="Microsoft Uighur"/>
+        <a:font script="Geor" typeface="Sylfaen"/>
+      </a:minorFont>
+    </a:fontScheme>
+    <a:fmtScheme name="Office">
+      <a:fillStyleLst>
+        <a:solidFill>
+          <a:schemeClr val="phClr"/>
+        </a:solidFill>
+        <a:gradFill rotWithShape="1">
+          <a:gsLst>
+            <a:gs pos="0">
+              <a:schemeClr val="phClr">
+                <a:tint val="50000"/>
+                <a:satMod val="300000"/>
+              </a:schemeClr>
+            </a:gs>
+            <a:gs pos="35000">
+              <a:schemeClr val="phClr">
+                <a:tint val="37000"/>
+                <a:satMod val="300000"/>
+              </a:schemeClr>
+            </a:gs>
+            <a:gs pos="100000">
+              <a:schemeClr val="phClr">
+                <a:tint val="15000"/>
+                <a:satMod val="350000"/>
+              </a:schemeClr>
+            </a:gs>
+          </a:gsLst>
+          <a:lin ang="16200000" scaled="1"/>
+        </a:gradFill>
+        <a:gradFill rotWithShape="1">
+          <a:gsLst>
+            <a:gs pos="0">
+              <a:schemeClr val="phClr">
+                <a:tint val="100000"/>
+                <a:shade val="100000"/>
+                <a:satMod val="130000"/>
+              </a:schemeClr>
+            </a:gs>
+            <a:gs pos="100000">
+              <a:schemeClr val="phClr">
+                <a:tint val="50000"/>
+                <a:shade val="100000"/>
+                <a:satMod val="350000"/>
+              </a:schemeClr>
+            </a:gs>
+          </a:gsLst>
+          <a:lin ang="16200000" scaled="0"/>
+        </a:gradFill>
+      </a:fillStyleLst>
+      <a:lnStyleLst>
+        <a:ln w="9525" cap="flat" cmpd="sng" algn="ctr">
+          <a:solidFill>
+            <a:schemeClr val="phClr">
+              <a:shade val="95000"/>
+              <a:satMod val="105000"/>
+            </a:schemeClr>
+          </a:solidFill>
+          <a:prstDash val="solid"/>
+        </a:ln>
+        <a:ln w="25400" cap="flat" cmpd="sng" algn="ctr">
+          <a:solidFill>
+            <a:schemeClr val="phClr"/>
+          </a:solidFill>
+          <a:prstDash val="solid"/>
+        </a:ln>
+        <a:ln w="38100" cap="flat" cmpd="sng" algn="ctr">
+          <a:solidFill>
+            <a:schemeClr val="phClr"/>
+          </a:solidFill>
+          <a:prstDash val="solid"/>
+        </a:ln>
+      </a:lnStyleLst>
+      <a:effectStyleLst>
+        <a:effectStyle>
+          <a:effectLst>
+            <a:outerShdw blurRad="40000" dist="20000" dir="5400000" rotWithShape="0">
+              <a:srgbClr val="000000">
+                <a:alpha val="38000"/>
+              </a:srgbClr>
+            </a:outerShdw>
+          </a:effectLst>
+        </a:effectStyle>
+        <a:effectStyle>
+          <a:effectLst>
+            <a:outerShdw blurRad="40000" dist="23000" dir="5400000" rotWithShape="0">
+              <a:srgbClr val="000000">
+                <a:alpha val="35000"/>
+              </a:srgbClr>
+            </a:outerShdw>
+          </a:effectLst>
+        </a:effectStyle>
+        <a:effectStyle>
+          <a:effectLst>
+            <a:outerShdw blurRad="40000" dist="23000" dir="5400000" rotWithShape="0">
+              <a:srgbClr val="000000">
+                <a:alpha val="35000"/>
+              </a:srgbClr>
+            </a:outerShdw>
+          </a:effectLst>
+          <a:scene3d>
+            <a:camera prst="orthographicFront">
+              <a:rot lat="0" lon="0" rev="0"/>
+            </a:camera>
+            <a:lightRig rig="threePt" dir="t">
+              <a:rot lat="0" lon="0" rev="1200000"/>
+            </a:lightRig>
+          </a:scene3d>
+          <a:sp3d>
+            <a:bevelT w="63500" h="25400"/>
+          </a:sp3d>
+        </a:effectStyle>
+      </a:effectStyleLst>
+      <a:bgFillStyleLst>
+        <a:solidFill>
+          <a:schemeClr val="phClr"/>
+        </a:solidFill>
+        <a:gradFill rotWithShape="1">
+          <a:gsLst>
+            <a:gs pos="0">
+              <a:schemeClr val="phClr">
+                <a:tint val="40000"/>
+                <a:satMod val="350000"/>
+              </a:schemeClr>
+            </a:gs>
+            <a:gs pos="40000">
+              <a:schemeClr val="phClr">
+                <a:tint val="45000"/>
+                <a:shade val="99000"/>
+                <a:satMod val="350000"/>
+              </a:schemeClr>
+            </a:gs>
+            <a:gs pos="100000">
+              <a:schemeClr val="phClr">
+                <a:shade val="20000"/>
+                <a:satMod val="255000"/>
+              </a:schemeClr>
+            </a:gs>
+          </a:gsLst>
+          <a:path path="circle">
+            <a:fillToRect l="50000" t="-80000" r="50000" b="180000"/>
+          </a:path>
+        </a:gradFill>
+        <a:gradFill rotWithShape="1">
+          <a:gsLst>
+            <a:gs pos="0">
+              <a:schemeClr val="phClr">
+                <a:tint val="80000"/>
+                <a:satMod val="300000"/>
+              </a:schemeClr>
+            </a:gs>
+            <a:gs pos="100000">
+              <a:schemeClr val="phClr">
+                <a:shade val="30000"/>
+                <a:satMod val="200000"/>
+              </a:schemeClr>
+            </a:gs>
+          </a:gsLst>
+          <a:path path="circle">
+            <a:fillToRect l="50000" t="50000" r="50000" b="50000"/>
+          </a:path>
+        </a:gradFill>
+      </a:bgFillStyleLst>
+    </a:fmtScheme>
+  </a:themeElements>
+</a:theme>
+</file>
+
+<file path=ppt/theme/theme2.xml><?xml version="1.0" encoding="utf-8"?>
 <a:theme xmlns:a="http://schemas.openxmlformats.org/drawingml/2006/main" xmlns:r="http://schemas.openxmlformats.org/officeDocument/2006/relationships" name="Streamline">
   <a:themeElements>
     <a:clrScheme name="Streamline">
@@ -13527,283 +13831,4 @@
     </a:fmtScheme>
   </a:themeElements>
 </a:theme>
-</file>
-
-<file path=ppt/theme/theme2.xml><?xml version="1.0" encoding="utf-8"?>
-<a:theme xmlns:a="http://schemas.openxmlformats.org/drawingml/2006/main" xmlns:r="http://schemas.openxmlformats.org/officeDocument/2006/relationships">
-  <a:themeElements>
-    <a:clrScheme name="Default">
-      <a:dk1>
-        <a:srgbClr val="000000"/>
-      </a:dk1>
-      <a:lt1>
-        <a:srgbClr val="FFFFFF"/>
-      </a:lt1>
-      <a:dk2>
-        <a:srgbClr val="158158"/>
-      </a:dk2>
-      <a:lt2>
-        <a:srgbClr val="F3F3F3"/>
-      </a:lt2>
-      <a:accent1>
-        <a:srgbClr val="058DC7"/>
-      </a:accent1>
-      <a:accent2>
-        <a:srgbClr val="50B432"/>
-      </a:accent2>
-      <a:accent3>
-        <a:srgbClr val="ED561B"/>
-      </a:accent3>
-      <a:accent4>
-        <a:srgbClr val="EDEF00"/>
-      </a:accent4>
-      <a:accent5>
-        <a:srgbClr val="24CBE5"/>
-      </a:accent5>
-      <a:accent6>
-        <a:srgbClr val="64E572"/>
-      </a:accent6>
-      <a:hlink>
-        <a:srgbClr val="2200CC"/>
-      </a:hlink>
-      <a:folHlink>
-        <a:srgbClr val="551A8B"/>
-      </a:folHlink>
-    </a:clrScheme>
-    <a:fontScheme name="Office">
-      <a:majorFont>
-        <a:latin typeface="Arial"/>
-        <a:ea typeface=""/>
-        <a:cs typeface=""/>
-        <a:font script="Jpan" typeface="ＭＳ Ｐゴシック"/>
-        <a:font script="Hang" typeface="맑은 고딕"/>
-        <a:font script="Hans" typeface="宋体"/>
-        <a:font script="Hant" typeface="新細明體"/>
-        <a:font script="Arab" typeface="Times New Roman"/>
-        <a:font script="Hebr" typeface="Times New Roman"/>
-        <a:font script="Thai" typeface="Angsana New"/>
-        <a:font script="Ethi" typeface="Nyala"/>
-        <a:font script="Beng" typeface="Vrinda"/>
-        <a:font script="Gujr" typeface="Shruti"/>
-        <a:font script="Khmr" typeface="MoolBoran"/>
-        <a:font script="Knda" typeface="Tunga"/>
-        <a:font script="Guru" typeface="Raavi"/>
-        <a:font script="Cans" typeface="Euphemia"/>
-        <a:font script="Cher" typeface="Plantagenet Cherokee"/>
-        <a:font script="Yiii" typeface="Microsoft Yi Baiti"/>
-        <a:font script="Tibt" typeface="Microsoft Himalaya"/>
-        <a:font script="Thaa" typeface="MV Boli"/>
-        <a:font script="Deva" typeface="Mangal"/>
-        <a:font script="Telu" typeface="Gautami"/>
-        <a:font script="Taml" typeface="Latha"/>
-        <a:font script="Syrc" typeface="Estrangelo Edessa"/>
-        <a:font script="Orya" typeface="Kalinga"/>
-        <a:font script="Mlym" typeface="Kartika"/>
-        <a:font script="Laoo" typeface="DokChampa"/>
-        <a:font script="Sinh" typeface="Iskoola Pota"/>
-        <a:font script="Mong" typeface="Mongolian Baiti"/>
-        <a:font script="Viet" typeface="Times New Roman"/>
-        <a:font script="Uigh" typeface="Microsoft Uighur"/>
-        <a:font script="Geor" typeface="Sylfaen"/>
-      </a:majorFont>
-      <a:minorFont>
-        <a:latin typeface="Arial"/>
-        <a:ea typeface=""/>
-        <a:cs typeface=""/>
-        <a:font script="Jpan" typeface="ＭＳ Ｐゴシック"/>
-        <a:font script="Hang" typeface="맑은 고딕"/>
-        <a:font script="Hans" typeface="宋体"/>
-        <a:font script="Hant" typeface="新細明體"/>
-        <a:font script="Arab" typeface="Arial"/>
-        <a:font script="Hebr" typeface="Arial"/>
-        <a:font script="Thai" typeface="Cordia New"/>
-        <a:font script="Ethi" typeface="Nyala"/>
-        <a:font script="Beng" typeface="Vrinda"/>
-        <a:font script="Gujr" typeface="Shruti"/>
-        <a:font script="Khmr" typeface="DaunPenh"/>
-        <a:font script="Knda" typeface="Tunga"/>
-        <a:font script="Guru" typeface="Raavi"/>
-        <a:font script="Cans" typeface="Euphemia"/>
-        <a:font script="Cher" typeface="Plantagenet Cherokee"/>
-        <a:font script="Yiii" typeface="Microsoft Yi Baiti"/>
-        <a:font script="Tibt" typeface="Microsoft Himalaya"/>
-        <a:font script="Thaa" typeface="MV Boli"/>
-        <a:font script="Deva" typeface="Mangal"/>
-        <a:font script="Telu" typeface="Gautami"/>
-        <a:font script="Taml" typeface="Latha"/>
-        <a:font script="Syrc" typeface="Estrangelo Edessa"/>
-        <a:font script="Orya" typeface="Kalinga"/>
-        <a:font script="Mlym" typeface="Kartika"/>
-        <a:font script="Laoo" typeface="DokChampa"/>
-        <a:font script="Sinh" typeface="Iskoola Pota"/>
-        <a:font script="Mong" typeface="Mongolian Baiti"/>
-        <a:font script="Viet" typeface="Arial"/>
-        <a:font script="Uigh" typeface="Microsoft Uighur"/>
-        <a:font script="Geor" typeface="Sylfaen"/>
-      </a:minorFont>
-    </a:fontScheme>
-    <a:fmtScheme name="Office">
-      <a:fillStyleLst>
-        <a:solidFill>
-          <a:schemeClr val="phClr"/>
-        </a:solidFill>
-        <a:gradFill rotWithShape="1">
-          <a:gsLst>
-            <a:gs pos="0">
-              <a:schemeClr val="phClr">
-                <a:tint val="50000"/>
-                <a:satMod val="300000"/>
-              </a:schemeClr>
-            </a:gs>
-            <a:gs pos="35000">
-              <a:schemeClr val="phClr">
-                <a:tint val="37000"/>
-                <a:satMod val="300000"/>
-              </a:schemeClr>
-            </a:gs>
-            <a:gs pos="100000">
-              <a:schemeClr val="phClr">
-                <a:tint val="15000"/>
-                <a:satMod val="350000"/>
-              </a:schemeClr>
-            </a:gs>
-          </a:gsLst>
-          <a:lin ang="16200000" scaled="1"/>
-        </a:gradFill>
-        <a:gradFill rotWithShape="1">
-          <a:gsLst>
-            <a:gs pos="0">
-              <a:schemeClr val="phClr">
-                <a:tint val="100000"/>
-                <a:shade val="100000"/>
-                <a:satMod val="130000"/>
-              </a:schemeClr>
-            </a:gs>
-            <a:gs pos="100000">
-              <a:schemeClr val="phClr">
-                <a:tint val="50000"/>
-                <a:shade val="100000"/>
-                <a:satMod val="350000"/>
-              </a:schemeClr>
-            </a:gs>
-          </a:gsLst>
-          <a:lin ang="16200000" scaled="0"/>
-        </a:gradFill>
-      </a:fillStyleLst>
-      <a:lnStyleLst>
-        <a:ln w="9525" cap="flat" cmpd="sng" algn="ctr">
-          <a:solidFill>
-            <a:schemeClr val="phClr">
-              <a:shade val="95000"/>
-              <a:satMod val="105000"/>
-            </a:schemeClr>
-          </a:solidFill>
-          <a:prstDash val="solid"/>
-        </a:ln>
-        <a:ln w="25400" cap="flat" cmpd="sng" algn="ctr">
-          <a:solidFill>
-            <a:schemeClr val="phClr"/>
-          </a:solidFill>
-          <a:prstDash val="solid"/>
-        </a:ln>
-        <a:ln w="38100" cap="flat" cmpd="sng" algn="ctr">
-          <a:solidFill>
-            <a:schemeClr val="phClr"/>
-          </a:solidFill>
-          <a:prstDash val="solid"/>
-        </a:ln>
-      </a:lnStyleLst>
-      <a:effectStyleLst>
-        <a:effectStyle>
-          <a:effectLst>
-            <a:outerShdw blurRad="40000" dist="20000" dir="5400000" rotWithShape="0">
-              <a:srgbClr val="000000">
-                <a:alpha val="38000"/>
-              </a:srgbClr>
-            </a:outerShdw>
-          </a:effectLst>
-        </a:effectStyle>
-        <a:effectStyle>
-          <a:effectLst>
-            <a:outerShdw blurRad="40000" dist="23000" dir="5400000" rotWithShape="0">
-              <a:srgbClr val="000000">
-                <a:alpha val="35000"/>
-              </a:srgbClr>
-            </a:outerShdw>
-          </a:effectLst>
-        </a:effectStyle>
-        <a:effectStyle>
-          <a:effectLst>
-            <a:outerShdw blurRad="40000" dist="23000" dir="5400000" rotWithShape="0">
-              <a:srgbClr val="000000">
-                <a:alpha val="35000"/>
-              </a:srgbClr>
-            </a:outerShdw>
-          </a:effectLst>
-          <a:scene3d>
-            <a:camera prst="orthographicFront">
-              <a:rot lat="0" lon="0" rev="0"/>
-            </a:camera>
-            <a:lightRig rig="threePt" dir="t">
-              <a:rot lat="0" lon="0" rev="1200000"/>
-            </a:lightRig>
-          </a:scene3d>
-          <a:sp3d>
-            <a:bevelT w="63500" h="25400"/>
-          </a:sp3d>
-        </a:effectStyle>
-      </a:effectStyleLst>
-      <a:bgFillStyleLst>
-        <a:solidFill>
-          <a:schemeClr val="phClr"/>
-        </a:solidFill>
-        <a:gradFill rotWithShape="1">
-          <a:gsLst>
-            <a:gs pos="0">
-              <a:schemeClr val="phClr">
-                <a:tint val="40000"/>
-                <a:satMod val="350000"/>
-              </a:schemeClr>
-            </a:gs>
-            <a:gs pos="40000">
-              <a:schemeClr val="phClr">
-                <a:tint val="45000"/>
-                <a:shade val="99000"/>
-                <a:satMod val="350000"/>
-              </a:schemeClr>
-            </a:gs>
-            <a:gs pos="100000">
-              <a:schemeClr val="phClr">
-                <a:shade val="20000"/>
-                <a:satMod val="255000"/>
-              </a:schemeClr>
-            </a:gs>
-          </a:gsLst>
-          <a:path path="circle">
-            <a:fillToRect l="50000" t="-80000" r="50000" b="180000"/>
-          </a:path>
-        </a:gradFill>
-        <a:gradFill rotWithShape="1">
-          <a:gsLst>
-            <a:gs pos="0">
-              <a:schemeClr val="phClr">
-                <a:tint val="80000"/>
-                <a:satMod val="300000"/>
-              </a:schemeClr>
-            </a:gs>
-            <a:gs pos="100000">
-              <a:schemeClr val="phClr">
-                <a:shade val="30000"/>
-                <a:satMod val="200000"/>
-              </a:schemeClr>
-            </a:gs>
-          </a:gsLst>
-          <a:path path="circle">
-            <a:fillToRect l="50000" t="50000" r="50000" b="50000"/>
-          </a:path>
-        </a:gradFill>
-      </a:bgFillStyleLst>
-    </a:fmtScheme>
-  </a:themeElements>
-</a:theme>
 </file>